--- a/docs/presentation.pptx
+++ b/docs/presentation.pptx
@@ -8,9 +8,9 @@
     <p:sldId id="256" r:id="rId2"/>
     <p:sldId id="257" r:id="rId3"/>
     <p:sldId id="265" r:id="rId4"/>
-    <p:sldId id="261" r:id="rId5"/>
-    <p:sldId id="260" r:id="rId6"/>
-    <p:sldId id="263" r:id="rId7"/>
+    <p:sldId id="263" r:id="rId5"/>
+    <p:sldId id="261" r:id="rId6"/>
+    <p:sldId id="260" r:id="rId7"/>
     <p:sldId id="262" r:id="rId8"/>
     <p:sldId id="264" r:id="rId9"/>
   </p:sldIdLst>
@@ -4003,6 +4003,141 @@
           <p:cNvPr id="2" name="Title 1">
             <a:extLst>
               <a:ext uri="{FF2B5EF4-FFF2-40B4-BE49-F238E27FC236}">
+                <a16:creationId xmlns:a16="http://schemas.microsoft.com/office/drawing/2014/main" id="{3DD63B8D-2735-1365-FB6E-69C344C2685E}"/>
+              </a:ext>
+            </a:extLst>
+          </p:cNvPr>
+          <p:cNvSpPr>
+            <a:spLocks noGrp="1"/>
+          </p:cNvSpPr>
+          <p:nvPr>
+            <p:ph type="title"/>
+          </p:nvPr>
+        </p:nvSpPr>
+        <p:spPr/>
+        <p:txBody>
+          <a:bodyPr/>
+          <a:lstStyle/>
+          <a:p>
+            <a:r>
+              <a:rPr lang="en-US" cap="none" dirty="0"/>
+              <a:t>Job Facts</a:t>
+            </a:r>
+            <a:br>
+              <a:rPr lang="en-US" cap="none" dirty="0"/>
+            </a:br>
+            <a:endParaRPr lang="en-US" cap="none" dirty="0"/>
+          </a:p>
+        </p:txBody>
+      </p:sp>
+      <p:sp>
+        <p:nvSpPr>
+          <p:cNvPr id="3" name="Content Placeholder 2">
+            <a:extLst>
+              <a:ext uri="{FF2B5EF4-FFF2-40B4-BE49-F238E27FC236}">
+                <a16:creationId xmlns:a16="http://schemas.microsoft.com/office/drawing/2014/main" id="{1C2CA022-2482-DE6A-5C20-118064B75424}"/>
+              </a:ext>
+            </a:extLst>
+          </p:cNvPr>
+          <p:cNvSpPr>
+            <a:spLocks noGrp="1"/>
+          </p:cNvSpPr>
+          <p:nvPr>
+            <p:ph sz="half" idx="1"/>
+          </p:nvPr>
+        </p:nvSpPr>
+        <p:spPr>
+          <a:xfrm>
+            <a:off x="1416508" y="2010878"/>
+            <a:ext cx="9605635" cy="3448595"/>
+          </a:xfrm>
+        </p:spPr>
+        <p:txBody>
+          <a:bodyPr/>
+          <a:lstStyle/>
+          <a:p>
+            <a:r>
+              <a:rPr lang="en-US" dirty="0"/>
+              <a:t>jobs run per day:  8</a:t>
+            </a:r>
+          </a:p>
+          <a:p>
+            <a:r>
+              <a:rPr lang="en-US" dirty="0"/>
+              <a:t>avg job duration:  3m 16.4s</a:t>
+            </a:r>
+          </a:p>
+          <a:p>
+            <a:r>
+              <a:rPr lang="en-US" dirty="0"/>
+              <a:t>rows imported per job:  5,453</a:t>
+            </a:r>
+          </a:p>
+          <a:p>
+            <a:r>
+              <a:rPr lang="en-US" dirty="0"/>
+              <a:t>rows imported per day:  43,624</a:t>
+            </a:r>
+          </a:p>
+          <a:p>
+            <a:r>
+              <a:rPr lang="en-US" dirty="0"/>
+              <a:t>rows imported total:  370,804</a:t>
+            </a:r>
+          </a:p>
+          <a:p>
+            <a:r>
+              <a:rPr lang="en-US" dirty="0"/>
+              <a:t>latitude/longitude combinations:  133</a:t>
+            </a:r>
+            <a:br>
+              <a:rPr lang="en-US" dirty="0"/>
+            </a:br>
+            <a:r>
+              <a:rPr lang="en-US" dirty="0"/>
+              <a:t>(different points on the globe data is collected for)</a:t>
+            </a:r>
+          </a:p>
+          <a:p>
+            <a:endParaRPr lang="en-US" dirty="0"/>
+          </a:p>
+        </p:txBody>
+      </p:sp>
+    </p:spTree>
+    <p:extLst>
+      <p:ext uri="{BB962C8B-B14F-4D97-AF65-F5344CB8AC3E}">
+        <p14:creationId xmlns:p14="http://schemas.microsoft.com/office/powerpoint/2010/main" val="1622389876"/>
+      </p:ext>
+    </p:extLst>
+  </p:cSld>
+  <p:clrMapOvr>
+    <a:masterClrMapping/>
+  </p:clrMapOvr>
+</p:sld>
+</file>
+
+<file path=ppt/slides/slide5.xml><?xml version="1.0" encoding="utf-8"?>
+<p:sld xmlns:a="http://schemas.openxmlformats.org/drawingml/2006/main" xmlns:r="http://schemas.openxmlformats.org/officeDocument/2006/relationships" xmlns:p="http://schemas.openxmlformats.org/presentationml/2006/main">
+  <p:cSld>
+    <p:spTree>
+      <p:nvGrpSpPr>
+        <p:cNvPr id="1" name=""/>
+        <p:cNvGrpSpPr/>
+        <p:nvPr/>
+      </p:nvGrpSpPr>
+      <p:grpSpPr>
+        <a:xfrm>
+          <a:off x="0" y="0"/>
+          <a:ext cx="0" cy="0"/>
+          <a:chOff x="0" y="0"/>
+          <a:chExt cx="0" cy="0"/>
+        </a:xfrm>
+      </p:grpSpPr>
+      <p:sp>
+        <p:nvSpPr>
+          <p:cNvPr id="2" name="Title 1">
+            <a:extLst>
+              <a:ext uri="{FF2B5EF4-FFF2-40B4-BE49-F238E27FC236}">
                 <a16:creationId xmlns:a16="http://schemas.microsoft.com/office/drawing/2014/main" id="{F8EA9C8B-39B2-643A-582D-7881BBE361DF}"/>
               </a:ext>
             </a:extLst>
@@ -4021,7 +4156,7 @@
           <a:p>
             <a:r>
               <a:rPr lang="en-US" cap="none" dirty="0"/>
-              <a:t>Pipeline Architecture</a:t>
+              <a:t>Import Architecture</a:t>
             </a:r>
           </a:p>
         </p:txBody>
@@ -4042,14 +4177,14 @@
             <p:ph idx="1"/>
             <p:extLst>
               <p:ext uri="{D42A27DB-BD31-4B8C-83A1-F6EECF244321}">
-                <p14:modId xmlns:p14="http://schemas.microsoft.com/office/powerpoint/2010/main" val="437378711"/>
+                <p14:modId xmlns:p14="http://schemas.microsoft.com/office/powerpoint/2010/main" val="1320956939"/>
               </p:ext>
             </p:extLst>
           </p:nvPr>
         </p:nvGraphicFramePr>
         <p:xfrm>
           <a:off x="1450975" y="2016125"/>
-          <a:ext cx="9604374" cy="2763520"/>
+          <a:ext cx="9604374" cy="3134360"/>
         </p:xfrm>
         <a:graphic>
           <a:graphicData uri="http://schemas.openxmlformats.org/drawingml/2006/table">
@@ -4415,6 +4550,64 @@
                   </a:ext>
                 </a:extLst>
               </a:tr>
+              <a:tr h="370840">
+                <a:tc>
+                  <a:txBody>
+                    <a:bodyPr/>
+                    <a:lstStyle/>
+                    <a:p>
+                      <a:r>
+                        <a:rPr lang="en-US" dirty="0"/>
+                        <a:t>test.py</a:t>
+                      </a:r>
+                    </a:p>
+                  </a:txBody>
+                  <a:tcPr/>
+                </a:tc>
+                <a:tc>
+                  <a:txBody>
+                    <a:bodyPr/>
+                    <a:lstStyle/>
+                    <a:p>
+                      <a:pPr marL="0" marR="0" lvl="0" indent="0" algn="l" defTabSz="914400" rtl="0" eaLnBrk="1" fontAlgn="auto" latinLnBrk="0" hangingPunct="1">
+                        <a:lnSpc>
+                          <a:spcPct val="100000"/>
+                        </a:lnSpc>
+                        <a:spcBef>
+                          <a:spcPts val="0"/>
+                        </a:spcBef>
+                        <a:spcAft>
+                          <a:spcPts val="0"/>
+                        </a:spcAft>
+                        <a:buClrTx/>
+                        <a:buSzTx/>
+                        <a:buFontTx/>
+                        <a:buNone/>
+                        <a:tabLst/>
+                        <a:defRPr/>
+                      </a:pPr>
+                      <a:r>
+                        <a:rPr lang="en-US" sz="1800" i="0" kern="1200" dirty="0">
+                          <a:solidFill>
+                            <a:schemeClr val="dk1"/>
+                          </a:solidFill>
+                          <a:effectLst/>
+                          <a:latin typeface="+mn-lt"/>
+                          <a:ea typeface="+mn-ea"/>
+                          <a:cs typeface="+mn-cs"/>
+                        </a:rPr>
+                        <a:t>Unit test script.</a:t>
+                      </a:r>
+                    </a:p>
+                  </a:txBody>
+                  <a:tcPr/>
+                </a:tc>
+                <a:extLst>
+                  <a:ext uri="{0D108BD9-81ED-4DB2-BD59-A6C34878D82A}">
+                    <a16:rowId xmlns:a16="http://schemas.microsoft.com/office/drawing/2014/main" val="949013386"/>
+                  </a:ext>
+                </a:extLst>
+              </a:tr>
             </a:tbl>
           </a:graphicData>
         </a:graphic>
@@ -4432,7 +4625,7 @@
 </p:sld>
 </file>
 
-<file path=ppt/slides/slide5.xml><?xml version="1.0" encoding="utf-8"?>
+<file path=ppt/slides/slide6.xml><?xml version="1.0" encoding="utf-8"?>
 <p:sld xmlns:a="http://schemas.openxmlformats.org/drawingml/2006/main" xmlns:r="http://schemas.openxmlformats.org/officeDocument/2006/relationships" xmlns:p="http://schemas.openxmlformats.org/presentationml/2006/main">
   <p:cSld>
     <p:spTree>
@@ -4942,141 +5135,6 @@
 </p:sld>
 </file>
 
-<file path=ppt/slides/slide6.xml><?xml version="1.0" encoding="utf-8"?>
-<p:sld xmlns:a="http://schemas.openxmlformats.org/drawingml/2006/main" xmlns:r="http://schemas.openxmlformats.org/officeDocument/2006/relationships" xmlns:p="http://schemas.openxmlformats.org/presentationml/2006/main">
-  <p:cSld>
-    <p:spTree>
-      <p:nvGrpSpPr>
-        <p:cNvPr id="1" name=""/>
-        <p:cNvGrpSpPr/>
-        <p:nvPr/>
-      </p:nvGrpSpPr>
-      <p:grpSpPr>
-        <a:xfrm>
-          <a:off x="0" y="0"/>
-          <a:ext cx="0" cy="0"/>
-          <a:chOff x="0" y="0"/>
-          <a:chExt cx="0" cy="0"/>
-        </a:xfrm>
-      </p:grpSpPr>
-      <p:sp>
-        <p:nvSpPr>
-          <p:cNvPr id="2" name="Title 1">
-            <a:extLst>
-              <a:ext uri="{FF2B5EF4-FFF2-40B4-BE49-F238E27FC236}">
-                <a16:creationId xmlns:a16="http://schemas.microsoft.com/office/drawing/2014/main" id="{3DD63B8D-2735-1365-FB6E-69C344C2685E}"/>
-              </a:ext>
-            </a:extLst>
-          </p:cNvPr>
-          <p:cNvSpPr>
-            <a:spLocks noGrp="1"/>
-          </p:cNvSpPr>
-          <p:nvPr>
-            <p:ph type="title"/>
-          </p:nvPr>
-        </p:nvSpPr>
-        <p:spPr/>
-        <p:txBody>
-          <a:bodyPr/>
-          <a:lstStyle/>
-          <a:p>
-            <a:r>
-              <a:rPr lang="en-US" cap="none" dirty="0"/>
-              <a:t>Job Facts</a:t>
-            </a:r>
-            <a:br>
-              <a:rPr lang="en-US" cap="none" dirty="0"/>
-            </a:br>
-            <a:endParaRPr lang="en-US" cap="none" dirty="0"/>
-          </a:p>
-        </p:txBody>
-      </p:sp>
-      <p:sp>
-        <p:nvSpPr>
-          <p:cNvPr id="3" name="Content Placeholder 2">
-            <a:extLst>
-              <a:ext uri="{FF2B5EF4-FFF2-40B4-BE49-F238E27FC236}">
-                <a16:creationId xmlns:a16="http://schemas.microsoft.com/office/drawing/2014/main" id="{1C2CA022-2482-DE6A-5C20-118064B75424}"/>
-              </a:ext>
-            </a:extLst>
-          </p:cNvPr>
-          <p:cNvSpPr>
-            <a:spLocks noGrp="1"/>
-          </p:cNvSpPr>
-          <p:nvPr>
-            <p:ph sz="half" idx="1"/>
-          </p:nvPr>
-        </p:nvSpPr>
-        <p:spPr>
-          <a:xfrm>
-            <a:off x="1416508" y="2010878"/>
-            <a:ext cx="9605635" cy="3448595"/>
-          </a:xfrm>
-        </p:spPr>
-        <p:txBody>
-          <a:bodyPr/>
-          <a:lstStyle/>
-          <a:p>
-            <a:r>
-              <a:rPr lang="en-US" dirty="0"/>
-              <a:t>jobs run per day:  8</a:t>
-            </a:r>
-          </a:p>
-          <a:p>
-            <a:r>
-              <a:rPr lang="en-US" dirty="0"/>
-              <a:t>avg job duration:  3m 16.4s</a:t>
-            </a:r>
-          </a:p>
-          <a:p>
-            <a:r>
-              <a:rPr lang="en-US" dirty="0"/>
-              <a:t>rows imported per job:  5,453</a:t>
-            </a:r>
-          </a:p>
-          <a:p>
-            <a:r>
-              <a:rPr lang="en-US" dirty="0"/>
-              <a:t>rows imported per day:  43,624</a:t>
-            </a:r>
-          </a:p>
-          <a:p>
-            <a:r>
-              <a:rPr lang="en-US" dirty="0"/>
-              <a:t>rows imported total:  370,804</a:t>
-            </a:r>
-          </a:p>
-          <a:p>
-            <a:r>
-              <a:rPr lang="en-US" dirty="0"/>
-              <a:t>latitude/longitude combinations:  133</a:t>
-            </a:r>
-            <a:br>
-              <a:rPr lang="en-US" dirty="0"/>
-            </a:br>
-            <a:r>
-              <a:rPr lang="en-US" dirty="0"/>
-              <a:t>(different points on the globe data is collected for)</a:t>
-            </a:r>
-          </a:p>
-          <a:p>
-            <a:endParaRPr lang="en-US" dirty="0"/>
-          </a:p>
-        </p:txBody>
-      </p:sp>
-    </p:spTree>
-    <p:extLst>
-      <p:ext uri="{BB962C8B-B14F-4D97-AF65-F5344CB8AC3E}">
-        <p14:creationId xmlns:p14="http://schemas.microsoft.com/office/powerpoint/2010/main" val="1622389876"/>
-      </p:ext>
-    </p:extLst>
-  </p:cSld>
-  <p:clrMapOvr>
-    <a:masterClrMapping/>
-  </p:clrMapOvr>
-</p:sld>
-</file>
-
 <file path=ppt/slides/slide7.xml><?xml version="1.0" encoding="utf-8"?>
 <p:sld xmlns:a="http://schemas.openxmlformats.org/drawingml/2006/main" xmlns:r="http://schemas.openxmlformats.org/officeDocument/2006/relationships" xmlns:p="http://schemas.openxmlformats.org/presentationml/2006/main">
   <p:cSld>
